--- a/VAMOS ACOLHER A A PALAVRA       ACLAMAÇÃO DO EVANGELHO.pptx
+++ b/VAMOS ACOLHER A A PALAVRA       ACLAMAÇÃO DO EVANGELHO.pptx
@@ -34,7 +34,7 @@
       </p:grpSpPr>
       <p:sp>
         <p:nvSpPr>
-          <p:cNvPr id="41" name="PlaceHolder 1"/>
+          <p:cNvPr id="38" name="PlaceHolder 1"/>
           <p:cNvSpPr>
             <a:spLocks noGrp="1"/>
           </p:cNvSpPr>
@@ -50,33 +50,34 @@
           <a:prstGeom prst="rect">
             <a:avLst/>
           </a:prstGeom>
+          <a:noFill/>
+          <a:ln w="0">
+            <a:noFill/>
+          </a:ln>
         </p:spPr>
         <p:txBody>
           <a:bodyPr lIns="0" rIns="0" tIns="0" bIns="0" anchor="ctr">
             <a:noAutofit/>
           </a:bodyPr>
           <a:p>
-            <a:r>
-              <a:rPr b="0" lang="pt-BR" sz="1800" spc="-1" strike="noStrike">
-                <a:solidFill>
-                  <a:srgbClr val="000000"/>
-                </a:solidFill>
-                <a:latin typeface="Calibri"/>
+            <a:pPr algn="ctr">
+              <a:buNone/>
+            </a:pPr>
+            <a:r>
+              <a:rPr b="0" lang="pt-BR" sz="4400" spc="-1" strike="noStrike">
+                <a:latin typeface="Arial"/>
               </a:rPr>
               <a:t>Clique para mover o slide</a:t>
             </a:r>
-            <a:endParaRPr b="0" lang="pt-BR" sz="1800" spc="-1" strike="noStrike">
-              <a:solidFill>
-                <a:srgbClr val="000000"/>
-              </a:solidFill>
-              <a:latin typeface="Calibri"/>
-            </a:endParaRPr>
-          </a:p>
-        </p:txBody>
-      </p:sp>
-      <p:sp>
-        <p:nvSpPr>
-          <p:cNvPr id="42" name="PlaceHolder 2"/>
+            <a:endParaRPr b="0" lang="pt-BR" sz="4400" spc="-1" strike="noStrike">
+              <a:latin typeface="Arial"/>
+            </a:endParaRPr>
+          </a:p>
+        </p:txBody>
+      </p:sp>
+      <p:sp>
+        <p:nvSpPr>
+          <p:cNvPr id="39" name="PlaceHolder 2"/>
           <p:cNvSpPr>
             <a:spLocks noGrp="1"/>
           </p:cNvSpPr>
@@ -92,9 +93,13 @@
           <a:prstGeom prst="rect">
             <a:avLst/>
           </a:prstGeom>
-        </p:spPr>
-        <p:txBody>
-          <a:bodyPr lIns="0" rIns="0" tIns="0" bIns="0">
+          <a:noFill/>
+          <a:ln w="0">
+            <a:noFill/>
+          </a:ln>
+        </p:spPr>
+        <p:txBody>
+          <a:bodyPr lIns="0" rIns="0" tIns="0" bIns="0" anchor="t">
             <a:noAutofit/>
           </a:bodyPr>
           <a:p>
@@ -112,7 +117,7 @@
       </p:sp>
       <p:sp>
         <p:nvSpPr>
-          <p:cNvPr id="43" name="PlaceHolder 3"/>
+          <p:cNvPr id="40" name="PlaceHolder 3"/>
           <p:cNvSpPr>
             <a:spLocks noGrp="1"/>
           </p:cNvSpPr>
@@ -128,9 +133,13 @@
           <a:prstGeom prst="rect">
             <a:avLst/>
           </a:prstGeom>
-        </p:spPr>
-        <p:txBody>
-          <a:bodyPr lIns="0" rIns="0" tIns="0" bIns="0">
+          <a:noFill/>
+          <a:ln w="0">
+            <a:noFill/>
+          </a:ln>
+        </p:spPr>
+        <p:txBody>
+          <a:bodyPr lIns="0" rIns="0" tIns="0" bIns="0" anchor="t">
             <a:noAutofit/>
           </a:bodyPr>
           <a:p>
@@ -148,12 +157,12 @@
       </p:sp>
       <p:sp>
         <p:nvSpPr>
-          <p:cNvPr id="44" name="PlaceHolder 4"/>
-          <p:cNvSpPr>
-            <a:spLocks noGrp="1"/>
-          </p:cNvSpPr>
-          <p:nvPr>
-            <p:ph type="dt"/>
+          <p:cNvPr id="41" name="PlaceHolder 4"/>
+          <p:cNvSpPr>
+            <a:spLocks noGrp="1"/>
+          </p:cNvSpPr>
+          <p:nvPr>
+            <p:ph type="dt" idx="1"/>
           </p:nvPr>
         </p:nvSpPr>
         <p:spPr>
@@ -164,13 +173,27 @@
           <a:prstGeom prst="rect">
             <a:avLst/>
           </a:prstGeom>
-        </p:spPr>
-        <p:txBody>
-          <a:bodyPr lIns="0" rIns="0" tIns="0" bIns="0">
+          <a:noFill/>
+          <a:ln w="0">
+            <a:noFill/>
+          </a:ln>
+        </p:spPr>
+        <p:txBody>
+          <a:bodyPr lIns="0" rIns="0" tIns="0" bIns="0" anchor="t">
             <a:noAutofit/>
           </a:bodyPr>
-          <a:p>
-            <a:pPr algn="r"/>
+          <a:lstStyle>
+            <a:lvl1pPr algn="r">
+              <a:buNone/>
+              <a:defRPr b="0" lang="pt-BR" sz="1400" spc="-1" strike="noStrike">
+                <a:latin typeface="Times New Roman"/>
+              </a:defRPr>
+            </a:lvl1pPr>
+          </a:lstStyle>
+          <a:p>
+            <a:pPr algn="r">
+              <a:buNone/>
+            </a:pPr>
             <a:r>
               <a:rPr b="0" lang="pt-BR" sz="1400" spc="-1" strike="noStrike">
                 <a:latin typeface="Times New Roman"/>
@@ -185,12 +208,12 @@
       </p:sp>
       <p:sp>
         <p:nvSpPr>
-          <p:cNvPr id="45" name="PlaceHolder 5"/>
-          <p:cNvSpPr>
-            <a:spLocks noGrp="1"/>
-          </p:cNvSpPr>
-          <p:nvPr>
-            <p:ph type="ftr"/>
+          <p:cNvPr id="42" name="PlaceHolder 5"/>
+          <p:cNvSpPr>
+            <a:spLocks noGrp="1"/>
+          </p:cNvSpPr>
+          <p:nvPr>
+            <p:ph type="ftr" idx="2"/>
           </p:nvPr>
         </p:nvSpPr>
         <p:spPr>
@@ -201,11 +224,22 @@
           <a:prstGeom prst="rect">
             <a:avLst/>
           </a:prstGeom>
+          <a:noFill/>
+          <a:ln w="0">
+            <a:noFill/>
+          </a:ln>
         </p:spPr>
         <p:txBody>
           <a:bodyPr lIns="0" rIns="0" tIns="0" bIns="0" anchor="b">
             <a:noAutofit/>
           </a:bodyPr>
+          <a:lstStyle>
+            <a:lvl1pPr>
+              <a:defRPr b="0" lang="pt-BR" sz="1400" spc="-1" strike="noStrike">
+                <a:latin typeface="Times New Roman"/>
+              </a:defRPr>
+            </a:lvl1pPr>
+          </a:lstStyle>
           <a:p>
             <a:r>
               <a:rPr b="0" lang="pt-BR" sz="1400" spc="-1" strike="noStrike">
@@ -221,12 +255,12 @@
       </p:sp>
       <p:sp>
         <p:nvSpPr>
-          <p:cNvPr id="46" name="PlaceHolder 6"/>
-          <p:cNvSpPr>
-            <a:spLocks noGrp="1"/>
-          </p:cNvSpPr>
-          <p:nvPr>
-            <p:ph type="sldNum"/>
+          <p:cNvPr id="43" name="PlaceHolder 6"/>
+          <p:cNvSpPr>
+            <a:spLocks noGrp="1"/>
+          </p:cNvSpPr>
+          <p:nvPr>
+            <p:ph type="sldNum" idx="3"/>
           </p:nvPr>
         </p:nvSpPr>
         <p:spPr>
@@ -237,14 +271,28 @@
           <a:prstGeom prst="rect">
             <a:avLst/>
           </a:prstGeom>
+          <a:noFill/>
+          <a:ln w="0">
+            <a:noFill/>
+          </a:ln>
         </p:spPr>
         <p:txBody>
           <a:bodyPr lIns="0" rIns="0" tIns="0" bIns="0" anchor="b">
             <a:noAutofit/>
           </a:bodyPr>
-          <a:p>
-            <a:pPr algn="r"/>
-            <a:fld id="{5C5B9D10-4FC4-459F-A580-02DD356335DE}" type="slidenum">
+          <a:lstStyle>
+            <a:lvl1pPr algn="r">
+              <a:buNone/>
+              <a:defRPr b="0" lang="pt-BR" sz="1400" spc="-1" strike="noStrike">
+                <a:latin typeface="Times New Roman"/>
+              </a:defRPr>
+            </a:lvl1pPr>
+          </a:lstStyle>
+          <a:p>
+            <a:pPr algn="r">
+              <a:buNone/>
+            </a:pPr>
+            <a:fld id="{62A6B18E-8A39-40DE-B6C7-F0634CC83F77}" type="slidenum">
               <a:rPr b="0" lang="pt-BR" sz="1400" spc="-1" strike="noStrike">
                 <a:latin typeface="Times New Roman"/>
               </a:rPr>
@@ -281,7 +329,7 @@
       </p:grpSpPr>
       <p:sp>
         <p:nvSpPr>
-          <p:cNvPr id="48" name="PlaceHolder 1"/>
+          <p:cNvPr id="45" name="PlaceHolder 1"/>
           <p:cNvSpPr>
             <a:spLocks noGrp="1"/>
           </p:cNvSpPr>
@@ -292,16 +340,19 @@
         <p:spPr>
           <a:xfrm>
             <a:off x="1143000" y="685800"/>
-            <a:ext cx="4571640" cy="3428640"/>
-          </a:xfrm>
-          <a:prstGeom prst="rect">
-            <a:avLst/>
-          </a:prstGeom>
-        </p:spPr>
-      </p:sp>
-      <p:sp>
-        <p:nvSpPr>
-          <p:cNvPr id="49" name="PlaceHolder 2"/>
+            <a:ext cx="4571280" cy="3428280"/>
+          </a:xfrm>
+          <a:prstGeom prst="rect">
+            <a:avLst/>
+          </a:prstGeom>
+          <a:ln w="0">
+            <a:noFill/>
+          </a:ln>
+        </p:spPr>
+      </p:sp>
+      <p:sp>
+        <p:nvSpPr>
+          <p:cNvPr id="46" name="PlaceHolder 2"/>
           <p:cNvSpPr>
             <a:spLocks noGrp="1"/>
           </p:cNvSpPr>
@@ -312,14 +363,18 @@
         <p:spPr>
           <a:xfrm>
             <a:off x="685800" y="4343400"/>
-            <a:ext cx="5486040" cy="4114440"/>
-          </a:xfrm>
-          <a:prstGeom prst="rect">
-            <a:avLst/>
-          </a:prstGeom>
-        </p:spPr>
-        <p:txBody>
-          <a:bodyPr>
+            <a:ext cx="5485680" cy="4114080"/>
+          </a:xfrm>
+          <a:prstGeom prst="rect">
+            <a:avLst/>
+          </a:prstGeom>
+          <a:noFill/>
+          <a:ln w="0">
+            <a:noFill/>
+          </a:ln>
+        </p:spPr>
+        <p:txBody>
+          <a:bodyPr lIns="0" rIns="0" tIns="0" bIns="0" anchor="t">
             <a:normAutofit/>
           </a:bodyPr>
           <a:p>
@@ -327,6 +382,10 @@
               <a:lnSpc>
                 <a:spcPct val="100000"/>
               </a:lnSpc>
+              <a:buNone/>
+              <a:tabLst>
+                <a:tab algn="l" pos="0"/>
+              </a:tabLst>
             </a:pPr>
             <a:r>
               <a:rPr b="0" lang="pt-BR" sz="1200" spc="-1" strike="noStrike">
@@ -355,6 +414,10 @@
               <a:lnSpc>
                 <a:spcPct val="100000"/>
               </a:lnSpc>
+              <a:buNone/>
+              <a:tabLst>
+                <a:tab algn="l" pos="0"/>
+              </a:tabLst>
             </a:pPr>
             <a:r>
               <a:rPr b="0" lang="pt-BR" sz="1200" spc="-1" strike="noStrike">
@@ -374,6 +437,10 @@
               <a:lnSpc>
                 <a:spcPct val="100000"/>
               </a:lnSpc>
+              <a:buNone/>
+              <a:tabLst>
+                <a:tab algn="l" pos="0"/>
+              </a:tabLst>
             </a:pPr>
             <a:r>
               <a:rPr b="0" lang="pt-BR" sz="1200" spc="-1" strike="noStrike">
@@ -402,6 +469,10 @@
               <a:lnSpc>
                 <a:spcPct val="100000"/>
               </a:lnSpc>
+              <a:buNone/>
+              <a:tabLst>
+                <a:tab algn="l" pos="0"/>
+              </a:tabLst>
             </a:pPr>
             <a:r>
               <a:rPr b="0" lang="pt-BR" sz="1200" spc="-1" strike="noStrike">
@@ -421,6 +492,10 @@
               <a:lnSpc>
                 <a:spcPct val="100000"/>
               </a:lnSpc>
+              <a:buNone/>
+              <a:tabLst>
+                <a:tab algn="l" pos="0"/>
+              </a:tabLst>
             </a:pPr>
             <a:r>
               <a:rPr b="0" lang="pt-BR" sz="1200" spc="-1" strike="noStrike">
@@ -449,6 +524,10 @@
               <a:lnSpc>
                 <a:spcPct val="100000"/>
               </a:lnSpc>
+              <a:buNone/>
+              <a:tabLst>
+                <a:tab algn="l" pos="0"/>
+              </a:tabLst>
             </a:pPr>
             <a:r>
               <a:rPr b="0" lang="pt-BR" sz="1200" spc="-1" strike="noStrike">
@@ -468,6 +547,10 @@
               <a:lnSpc>
                 <a:spcPct val="100000"/>
               </a:lnSpc>
+              <a:buNone/>
+              <a:tabLst>
+                <a:tab algn="l" pos="0"/>
+              </a:tabLst>
             </a:pPr>
             <a:r>
               <a:rPr b="0" lang="pt-BR" sz="1200" spc="-1" strike="noStrike">
@@ -496,6 +579,10 @@
               <a:lnSpc>
                 <a:spcPct val="100000"/>
               </a:lnSpc>
+              <a:buNone/>
+              <a:tabLst>
+                <a:tab algn="l" pos="0"/>
+              </a:tabLst>
             </a:pPr>
             <a:r>
               <a:rPr b="0" lang="pt-BR" sz="1200" spc="-1" strike="noStrike">
@@ -515,6 +602,10 @@
               <a:lnSpc>
                 <a:spcPct val="100000"/>
               </a:lnSpc>
+              <a:buNone/>
+              <a:tabLst>
+                <a:tab algn="l" pos="0"/>
+              </a:tabLst>
             </a:pPr>
             <a:endParaRPr b="0" lang="pt-BR" sz="1200" spc="-1" strike="noStrike">
               <a:latin typeface="Arial"/>
@@ -525,6 +616,10 @@
               <a:lnSpc>
                 <a:spcPct val="100000"/>
               </a:lnSpc>
+              <a:buNone/>
+              <a:tabLst>
+                <a:tab algn="l" pos="0"/>
+              </a:tabLst>
             </a:pPr>
             <a:r>
               <a:rPr b="0" lang="pt-BR" sz="1200" spc="-1" strike="noStrike">
@@ -553,6 +648,10 @@
               <a:lnSpc>
                 <a:spcPct val="100000"/>
               </a:lnSpc>
+              <a:buNone/>
+              <a:tabLst>
+                <a:tab algn="l" pos="0"/>
+              </a:tabLst>
             </a:pPr>
             <a:r>
               <a:rPr b="0" lang="pt-BR" sz="1200" spc="-1" strike="noStrike">
@@ -572,6 +671,10 @@
               <a:lnSpc>
                 <a:spcPct val="100000"/>
               </a:lnSpc>
+              <a:buNone/>
+              <a:tabLst>
+                <a:tab algn="l" pos="0"/>
+              </a:tabLst>
             </a:pPr>
             <a:r>
               <a:rPr b="0" lang="pt-BR" sz="1200" spc="-1" strike="noStrike">
@@ -600,6 +703,10 @@
               <a:lnSpc>
                 <a:spcPct val="100000"/>
               </a:lnSpc>
+              <a:buNone/>
+              <a:tabLst>
+                <a:tab algn="l" pos="0"/>
+              </a:tabLst>
             </a:pPr>
             <a:r>
               <a:rPr b="0" lang="pt-BR" sz="1200" spc="-1" strike="noStrike">
@@ -608,16 +715,7 @@
                 </a:solidFill>
                 <a:latin typeface="Arial"/>
               </a:rPr>
-              <a:t>QUE FAZ NASCER A  SEMENTE DO </a:t>
-            </a:r>
-            <a:r>
-              <a:rPr b="0" lang="pt-BR" sz="1200" spc="-1" strike="noStrike">
-                <a:solidFill>
-                  <a:srgbClr val="000000"/>
-                </a:solidFill>
-                <a:latin typeface="Arial"/>
-              </a:rPr>
-              <a:t>AMOR (2x)</a:t>
+              <a:t>QUE FAZ NASCER A  SEMENTE DO AMOR (2x)</a:t>
             </a:r>
             <a:r>
               <a:rPr b="0" lang="pt-BR" sz="800" spc="-1" strike="noStrike">
@@ -636,25 +734,31 @@
       </p:sp>
       <p:sp>
         <p:nvSpPr>
-          <p:cNvPr id="50" name="TextShape 3"/>
-          <p:cNvSpPr txBox="1"/>
+          <p:cNvPr id="47" name="TextShape 3"/>
+          <p:cNvSpPr/>
           <p:nvPr/>
         </p:nvSpPr>
         <p:spPr>
           <a:xfrm>
             <a:off x="3884760" y="8685360"/>
-            <a:ext cx="2971440" cy="456840"/>
-          </a:xfrm>
-          <a:prstGeom prst="rect">
-            <a:avLst/>
-          </a:prstGeom>
-          <a:noFill/>
-          <a:ln>
-            <a:noFill/>
-          </a:ln>
-        </p:spPr>
-        <p:txBody>
-          <a:bodyPr anchor="b">
+            <a:ext cx="2971080" cy="456480"/>
+          </a:xfrm>
+          <a:prstGeom prst="rect">
+            <a:avLst/>
+          </a:prstGeom>
+          <a:noFill/>
+          <a:ln w="0">
+            <a:noFill/>
+          </a:ln>
+        </p:spPr>
+        <p:style>
+          <a:lnRef idx="0"/>
+          <a:fillRef idx="0"/>
+          <a:effectRef idx="0"/>
+          <a:fontRef idx="minor"/>
+        </p:style>
+        <p:txBody>
+          <a:bodyPr lIns="90000" rIns="90000" tIns="45000" bIns="45000" anchor="b">
             <a:noAutofit/>
           </a:bodyPr>
           <a:p>
@@ -662,8 +766,9 @@
               <a:lnSpc>
                 <a:spcPct val="100000"/>
               </a:lnSpc>
-            </a:pPr>
-            <a:fld id="{D08F2D10-48DD-4AD7-8949-843C6FF054EA}" type="slidenum">
+              <a:buNone/>
+            </a:pPr>
+            <a:fld id="{7EB9D8E4-6FCC-4B30-841D-D51E9E87DDFD}" type="slidenum">
               <a:rPr b="0" lang="pt-BR" sz="1200" spc="-1" strike="noStrike">
                 <a:solidFill>
                   <a:srgbClr val="000000"/>
@@ -671,10 +776,10 @@
                 <a:latin typeface="+mn-lt"/>
                 <a:ea typeface="+mn-ea"/>
               </a:rPr>
-              <a:t>&lt;número&gt;</a:t>
+              <a:t>1</a:t>
             </a:fld>
             <a:endParaRPr b="0" lang="pt-BR" sz="1200" spc="-1" strike="noStrike">
-              <a:latin typeface="Times New Roman"/>
+              <a:latin typeface="Arial"/>
             </a:endParaRPr>
           </a:p>
         </p:txBody>
@@ -725,7 +830,7 @@
       </p:grpSpPr>
       <p:sp>
         <p:nvSpPr>
-          <p:cNvPr id="26" name="PlaceHolder 1"/>
+          <p:cNvPr id="23" name="PlaceHolder 1"/>
           <p:cNvSpPr>
             <a:spLocks noGrp="1"/>
           </p:cNvSpPr>
@@ -736,34 +841,38 @@
         <p:spPr>
           <a:xfrm>
             <a:off x="685800" y="2130480"/>
-            <a:ext cx="7772040" cy="1469520"/>
-          </a:xfrm>
-          <a:prstGeom prst="rect">
-            <a:avLst/>
-          </a:prstGeom>
+            <a:ext cx="7771680" cy="1469160"/>
+          </a:xfrm>
+          <a:prstGeom prst="rect">
+            <a:avLst/>
+          </a:prstGeom>
+          <a:noFill/>
+          <a:ln w="0">
+            <a:noFill/>
+          </a:ln>
         </p:spPr>
         <p:txBody>
           <a:bodyPr lIns="0" rIns="0" tIns="0" bIns="0" anchor="ctr">
             <a:noAutofit/>
           </a:bodyPr>
           <a:p>
-            <a:endParaRPr b="0" lang="pt-BR" sz="1800" spc="-1" strike="noStrike">
-              <a:solidFill>
-                <a:srgbClr val="000000"/>
-              </a:solidFill>
-              <a:latin typeface="Calibri"/>
-            </a:endParaRPr>
-          </a:p>
-        </p:txBody>
-      </p:sp>
-      <p:sp>
-        <p:nvSpPr>
-          <p:cNvPr id="27" name="PlaceHolder 2"/>
-          <p:cNvSpPr>
-            <a:spLocks noGrp="1"/>
-          </p:cNvSpPr>
-          <p:nvPr>
-            <p:ph type="body"/>
+            <a:pPr algn="ctr">
+              <a:buNone/>
+            </a:pPr>
+            <a:endParaRPr b="0" lang="pt-BR" sz="4400" spc="-1" strike="noStrike">
+              <a:latin typeface="Arial"/>
+            </a:endParaRPr>
+          </a:p>
+        </p:txBody>
+      </p:sp>
+      <p:sp>
+        <p:nvSpPr>
+          <p:cNvPr id="24" name="PlaceHolder 2"/>
+          <p:cNvSpPr>
+            <a:spLocks noGrp="1"/>
+          </p:cNvSpPr>
+          <p:nvPr>
+            <p:ph/>
           </p:nvPr>
         </p:nvSpPr>
         <p:spPr>
@@ -774,29 +883,30 @@
           <a:prstGeom prst="rect">
             <a:avLst/>
           </a:prstGeom>
-        </p:spPr>
-        <p:txBody>
-          <a:bodyPr lIns="0" rIns="0" tIns="0" bIns="0">
+          <a:noFill/>
+          <a:ln w="0">
+            <a:noFill/>
+          </a:ln>
+        </p:spPr>
+        <p:txBody>
+          <a:bodyPr lIns="0" rIns="0" tIns="0" bIns="0" anchor="t">
             <a:normAutofit/>
           </a:bodyPr>
           <a:p>
             <a:endParaRPr b="0" lang="pt-BR" sz="3200" spc="-1" strike="noStrike">
-              <a:solidFill>
-                <a:srgbClr val="000000"/>
-              </a:solidFill>
-              <a:latin typeface="Calibri"/>
-            </a:endParaRPr>
-          </a:p>
-        </p:txBody>
-      </p:sp>
-      <p:sp>
-        <p:nvSpPr>
-          <p:cNvPr id="28" name="PlaceHolder 3"/>
-          <p:cNvSpPr>
-            <a:spLocks noGrp="1"/>
-          </p:cNvSpPr>
-          <p:nvPr>
-            <p:ph type="body"/>
+              <a:latin typeface="Arial"/>
+            </a:endParaRPr>
+          </a:p>
+        </p:txBody>
+      </p:sp>
+      <p:sp>
+        <p:nvSpPr>
+          <p:cNvPr id="25" name="PlaceHolder 3"/>
+          <p:cNvSpPr>
+            <a:spLocks noGrp="1"/>
+          </p:cNvSpPr>
+          <p:nvPr>
+            <p:ph/>
           </p:nvPr>
         </p:nvSpPr>
         <p:spPr>
@@ -807,17 +917,18 @@
           <a:prstGeom prst="rect">
             <a:avLst/>
           </a:prstGeom>
-        </p:spPr>
-        <p:txBody>
-          <a:bodyPr lIns="0" rIns="0" tIns="0" bIns="0">
+          <a:noFill/>
+          <a:ln w="0">
+            <a:noFill/>
+          </a:ln>
+        </p:spPr>
+        <p:txBody>
+          <a:bodyPr lIns="0" rIns="0" tIns="0" bIns="0" anchor="t">
             <a:normAutofit/>
           </a:bodyPr>
           <a:p>
             <a:endParaRPr b="0" lang="pt-BR" sz="3200" spc="-1" strike="noStrike">
-              <a:solidFill>
-                <a:srgbClr val="000000"/>
-              </a:solidFill>
-              <a:latin typeface="Calibri"/>
+              <a:latin typeface="Arial"/>
             </a:endParaRPr>
           </a:p>
         </p:txBody>
@@ -846,7 +957,7 @@
       </p:grpSpPr>
       <p:sp>
         <p:nvSpPr>
-          <p:cNvPr id="29" name="PlaceHolder 1"/>
+          <p:cNvPr id="26" name="PlaceHolder 1"/>
           <p:cNvSpPr>
             <a:spLocks noGrp="1"/>
           </p:cNvSpPr>
@@ -857,34 +968,38 @@
         <p:spPr>
           <a:xfrm>
             <a:off x="685800" y="2130480"/>
-            <a:ext cx="7772040" cy="1469520"/>
-          </a:xfrm>
-          <a:prstGeom prst="rect">
-            <a:avLst/>
-          </a:prstGeom>
+            <a:ext cx="7771680" cy="1469160"/>
+          </a:xfrm>
+          <a:prstGeom prst="rect">
+            <a:avLst/>
+          </a:prstGeom>
+          <a:noFill/>
+          <a:ln w="0">
+            <a:noFill/>
+          </a:ln>
         </p:spPr>
         <p:txBody>
           <a:bodyPr lIns="0" rIns="0" tIns="0" bIns="0" anchor="ctr">
             <a:noAutofit/>
           </a:bodyPr>
           <a:p>
-            <a:endParaRPr b="0" lang="pt-BR" sz="1800" spc="-1" strike="noStrike">
-              <a:solidFill>
-                <a:srgbClr val="000000"/>
-              </a:solidFill>
-              <a:latin typeface="Calibri"/>
-            </a:endParaRPr>
-          </a:p>
-        </p:txBody>
-      </p:sp>
-      <p:sp>
-        <p:nvSpPr>
-          <p:cNvPr id="30" name="PlaceHolder 2"/>
-          <p:cNvSpPr>
-            <a:spLocks noGrp="1"/>
-          </p:cNvSpPr>
-          <p:nvPr>
-            <p:ph type="body"/>
+            <a:pPr algn="ctr">
+              <a:buNone/>
+            </a:pPr>
+            <a:endParaRPr b="0" lang="pt-BR" sz="4400" spc="-1" strike="noStrike">
+              <a:latin typeface="Arial"/>
+            </a:endParaRPr>
+          </a:p>
+        </p:txBody>
+      </p:sp>
+      <p:sp>
+        <p:nvSpPr>
+          <p:cNvPr id="27" name="PlaceHolder 2"/>
+          <p:cNvSpPr>
+            <a:spLocks noGrp="1"/>
+          </p:cNvSpPr>
+          <p:nvPr>
+            <p:ph/>
           </p:nvPr>
         </p:nvSpPr>
         <p:spPr>
@@ -895,29 +1010,30 @@
           <a:prstGeom prst="rect">
             <a:avLst/>
           </a:prstGeom>
-        </p:spPr>
-        <p:txBody>
-          <a:bodyPr lIns="0" rIns="0" tIns="0" bIns="0">
+          <a:noFill/>
+          <a:ln w="0">
+            <a:noFill/>
+          </a:ln>
+        </p:spPr>
+        <p:txBody>
+          <a:bodyPr lIns="0" rIns="0" tIns="0" bIns="0" anchor="t">
             <a:normAutofit/>
           </a:bodyPr>
           <a:p>
             <a:endParaRPr b="0" lang="pt-BR" sz="3200" spc="-1" strike="noStrike">
-              <a:solidFill>
-                <a:srgbClr val="000000"/>
-              </a:solidFill>
-              <a:latin typeface="Calibri"/>
-            </a:endParaRPr>
-          </a:p>
-        </p:txBody>
-      </p:sp>
-      <p:sp>
-        <p:nvSpPr>
-          <p:cNvPr id="31" name="PlaceHolder 3"/>
-          <p:cNvSpPr>
-            <a:spLocks noGrp="1"/>
-          </p:cNvSpPr>
-          <p:nvPr>
-            <p:ph type="body"/>
+              <a:latin typeface="Arial"/>
+            </a:endParaRPr>
+          </a:p>
+        </p:txBody>
+      </p:sp>
+      <p:sp>
+        <p:nvSpPr>
+          <p:cNvPr id="28" name="PlaceHolder 3"/>
+          <p:cNvSpPr>
+            <a:spLocks noGrp="1"/>
+          </p:cNvSpPr>
+          <p:nvPr>
+            <p:ph/>
           </p:nvPr>
         </p:nvSpPr>
         <p:spPr>
@@ -928,29 +1044,30 @@
           <a:prstGeom prst="rect">
             <a:avLst/>
           </a:prstGeom>
-        </p:spPr>
-        <p:txBody>
-          <a:bodyPr lIns="0" rIns="0" tIns="0" bIns="0">
+          <a:noFill/>
+          <a:ln w="0">
+            <a:noFill/>
+          </a:ln>
+        </p:spPr>
+        <p:txBody>
+          <a:bodyPr lIns="0" rIns="0" tIns="0" bIns="0" anchor="t">
             <a:normAutofit/>
           </a:bodyPr>
           <a:p>
             <a:endParaRPr b="0" lang="pt-BR" sz="3200" spc="-1" strike="noStrike">
-              <a:solidFill>
-                <a:srgbClr val="000000"/>
-              </a:solidFill>
-              <a:latin typeface="Calibri"/>
-            </a:endParaRPr>
-          </a:p>
-        </p:txBody>
-      </p:sp>
-      <p:sp>
-        <p:nvSpPr>
-          <p:cNvPr id="32" name="PlaceHolder 4"/>
-          <p:cNvSpPr>
-            <a:spLocks noGrp="1"/>
-          </p:cNvSpPr>
-          <p:nvPr>
-            <p:ph type="body"/>
+              <a:latin typeface="Arial"/>
+            </a:endParaRPr>
+          </a:p>
+        </p:txBody>
+      </p:sp>
+      <p:sp>
+        <p:nvSpPr>
+          <p:cNvPr id="29" name="PlaceHolder 4"/>
+          <p:cNvSpPr>
+            <a:spLocks noGrp="1"/>
+          </p:cNvSpPr>
+          <p:nvPr>
+            <p:ph/>
           </p:nvPr>
         </p:nvSpPr>
         <p:spPr>
@@ -961,29 +1078,30 @@
           <a:prstGeom prst="rect">
             <a:avLst/>
           </a:prstGeom>
-        </p:spPr>
-        <p:txBody>
-          <a:bodyPr lIns="0" rIns="0" tIns="0" bIns="0">
+          <a:noFill/>
+          <a:ln w="0">
+            <a:noFill/>
+          </a:ln>
+        </p:spPr>
+        <p:txBody>
+          <a:bodyPr lIns="0" rIns="0" tIns="0" bIns="0" anchor="t">
             <a:normAutofit/>
           </a:bodyPr>
           <a:p>
             <a:endParaRPr b="0" lang="pt-BR" sz="3200" spc="-1" strike="noStrike">
-              <a:solidFill>
-                <a:srgbClr val="000000"/>
-              </a:solidFill>
-              <a:latin typeface="Calibri"/>
-            </a:endParaRPr>
-          </a:p>
-        </p:txBody>
-      </p:sp>
-      <p:sp>
-        <p:nvSpPr>
-          <p:cNvPr id="33" name="PlaceHolder 5"/>
-          <p:cNvSpPr>
-            <a:spLocks noGrp="1"/>
-          </p:cNvSpPr>
-          <p:nvPr>
-            <p:ph type="body"/>
+              <a:latin typeface="Arial"/>
+            </a:endParaRPr>
+          </a:p>
+        </p:txBody>
+      </p:sp>
+      <p:sp>
+        <p:nvSpPr>
+          <p:cNvPr id="30" name="PlaceHolder 5"/>
+          <p:cNvSpPr>
+            <a:spLocks noGrp="1"/>
+          </p:cNvSpPr>
+          <p:nvPr>
+            <p:ph/>
           </p:nvPr>
         </p:nvSpPr>
         <p:spPr>
@@ -994,17 +1112,18 @@
           <a:prstGeom prst="rect">
             <a:avLst/>
           </a:prstGeom>
-        </p:spPr>
-        <p:txBody>
-          <a:bodyPr lIns="0" rIns="0" tIns="0" bIns="0">
+          <a:noFill/>
+          <a:ln w="0">
+            <a:noFill/>
+          </a:ln>
+        </p:spPr>
+        <p:txBody>
+          <a:bodyPr lIns="0" rIns="0" tIns="0" bIns="0" anchor="t">
             <a:normAutofit/>
           </a:bodyPr>
           <a:p>
             <a:endParaRPr b="0" lang="pt-BR" sz="3200" spc="-1" strike="noStrike">
-              <a:solidFill>
-                <a:srgbClr val="000000"/>
-              </a:solidFill>
-              <a:latin typeface="Calibri"/>
+              <a:latin typeface="Arial"/>
             </a:endParaRPr>
           </a:p>
         </p:txBody>
@@ -1033,7 +1152,7 @@
       </p:grpSpPr>
       <p:sp>
         <p:nvSpPr>
-          <p:cNvPr id="34" name="PlaceHolder 1"/>
+          <p:cNvPr id="31" name="PlaceHolder 1"/>
           <p:cNvSpPr>
             <a:spLocks noGrp="1"/>
           </p:cNvSpPr>
@@ -1044,34 +1163,38 @@
         <p:spPr>
           <a:xfrm>
             <a:off x="685800" y="2130480"/>
-            <a:ext cx="7772040" cy="1469520"/>
-          </a:xfrm>
-          <a:prstGeom prst="rect">
-            <a:avLst/>
-          </a:prstGeom>
+            <a:ext cx="7771680" cy="1469160"/>
+          </a:xfrm>
+          <a:prstGeom prst="rect">
+            <a:avLst/>
+          </a:prstGeom>
+          <a:noFill/>
+          <a:ln w="0">
+            <a:noFill/>
+          </a:ln>
         </p:spPr>
         <p:txBody>
           <a:bodyPr lIns="0" rIns="0" tIns="0" bIns="0" anchor="ctr">
             <a:noAutofit/>
           </a:bodyPr>
           <a:p>
-            <a:endParaRPr b="0" lang="pt-BR" sz="1800" spc="-1" strike="noStrike">
-              <a:solidFill>
-                <a:srgbClr val="000000"/>
-              </a:solidFill>
-              <a:latin typeface="Calibri"/>
-            </a:endParaRPr>
-          </a:p>
-        </p:txBody>
-      </p:sp>
-      <p:sp>
-        <p:nvSpPr>
-          <p:cNvPr id="35" name="PlaceHolder 2"/>
-          <p:cNvSpPr>
-            <a:spLocks noGrp="1"/>
-          </p:cNvSpPr>
-          <p:nvPr>
-            <p:ph type="body"/>
+            <a:pPr algn="ctr">
+              <a:buNone/>
+            </a:pPr>
+            <a:endParaRPr b="0" lang="pt-BR" sz="4400" spc="-1" strike="noStrike">
+              <a:latin typeface="Arial"/>
+            </a:endParaRPr>
+          </a:p>
+        </p:txBody>
+      </p:sp>
+      <p:sp>
+        <p:nvSpPr>
+          <p:cNvPr id="32" name="PlaceHolder 2"/>
+          <p:cNvSpPr>
+            <a:spLocks noGrp="1"/>
+          </p:cNvSpPr>
+          <p:nvPr>
+            <p:ph/>
           </p:nvPr>
         </p:nvSpPr>
         <p:spPr>
@@ -1082,29 +1205,30 @@
           <a:prstGeom prst="rect">
             <a:avLst/>
           </a:prstGeom>
-        </p:spPr>
-        <p:txBody>
-          <a:bodyPr lIns="0" rIns="0" tIns="0" bIns="0">
+          <a:noFill/>
+          <a:ln w="0">
+            <a:noFill/>
+          </a:ln>
+        </p:spPr>
+        <p:txBody>
+          <a:bodyPr lIns="0" rIns="0" tIns="0" bIns="0" anchor="t">
             <a:normAutofit/>
           </a:bodyPr>
           <a:p>
             <a:endParaRPr b="0" lang="pt-BR" sz="3200" spc="-1" strike="noStrike">
-              <a:solidFill>
-                <a:srgbClr val="000000"/>
-              </a:solidFill>
-              <a:latin typeface="Calibri"/>
-            </a:endParaRPr>
-          </a:p>
-        </p:txBody>
-      </p:sp>
-      <p:sp>
-        <p:nvSpPr>
-          <p:cNvPr id="36" name="PlaceHolder 3"/>
-          <p:cNvSpPr>
-            <a:spLocks noGrp="1"/>
-          </p:cNvSpPr>
-          <p:nvPr>
-            <p:ph type="body"/>
+              <a:latin typeface="Arial"/>
+            </a:endParaRPr>
+          </a:p>
+        </p:txBody>
+      </p:sp>
+      <p:sp>
+        <p:nvSpPr>
+          <p:cNvPr id="33" name="PlaceHolder 3"/>
+          <p:cNvSpPr>
+            <a:spLocks noGrp="1"/>
+          </p:cNvSpPr>
+          <p:nvPr>
+            <p:ph/>
           </p:nvPr>
         </p:nvSpPr>
         <p:spPr>
@@ -1115,29 +1239,30 @@
           <a:prstGeom prst="rect">
             <a:avLst/>
           </a:prstGeom>
-        </p:spPr>
-        <p:txBody>
-          <a:bodyPr lIns="0" rIns="0" tIns="0" bIns="0">
+          <a:noFill/>
+          <a:ln w="0">
+            <a:noFill/>
+          </a:ln>
+        </p:spPr>
+        <p:txBody>
+          <a:bodyPr lIns="0" rIns="0" tIns="0" bIns="0" anchor="t">
             <a:normAutofit/>
           </a:bodyPr>
           <a:p>
             <a:endParaRPr b="0" lang="pt-BR" sz="3200" spc="-1" strike="noStrike">
-              <a:solidFill>
-                <a:srgbClr val="000000"/>
-              </a:solidFill>
-              <a:latin typeface="Calibri"/>
-            </a:endParaRPr>
-          </a:p>
-        </p:txBody>
-      </p:sp>
-      <p:sp>
-        <p:nvSpPr>
-          <p:cNvPr id="37" name="PlaceHolder 4"/>
-          <p:cNvSpPr>
-            <a:spLocks noGrp="1"/>
-          </p:cNvSpPr>
-          <p:nvPr>
-            <p:ph type="body"/>
+              <a:latin typeface="Arial"/>
+            </a:endParaRPr>
+          </a:p>
+        </p:txBody>
+      </p:sp>
+      <p:sp>
+        <p:nvSpPr>
+          <p:cNvPr id="34" name="PlaceHolder 4"/>
+          <p:cNvSpPr>
+            <a:spLocks noGrp="1"/>
+          </p:cNvSpPr>
+          <p:nvPr>
+            <p:ph/>
           </p:nvPr>
         </p:nvSpPr>
         <p:spPr>
@@ -1148,29 +1273,30 @@
           <a:prstGeom prst="rect">
             <a:avLst/>
           </a:prstGeom>
-        </p:spPr>
-        <p:txBody>
-          <a:bodyPr lIns="0" rIns="0" tIns="0" bIns="0">
+          <a:noFill/>
+          <a:ln w="0">
+            <a:noFill/>
+          </a:ln>
+        </p:spPr>
+        <p:txBody>
+          <a:bodyPr lIns="0" rIns="0" tIns="0" bIns="0" anchor="t">
             <a:normAutofit/>
           </a:bodyPr>
           <a:p>
             <a:endParaRPr b="0" lang="pt-BR" sz="3200" spc="-1" strike="noStrike">
-              <a:solidFill>
-                <a:srgbClr val="000000"/>
-              </a:solidFill>
-              <a:latin typeface="Calibri"/>
-            </a:endParaRPr>
-          </a:p>
-        </p:txBody>
-      </p:sp>
-      <p:sp>
-        <p:nvSpPr>
-          <p:cNvPr id="38" name="PlaceHolder 5"/>
-          <p:cNvSpPr>
-            <a:spLocks noGrp="1"/>
-          </p:cNvSpPr>
-          <p:nvPr>
-            <p:ph type="body"/>
+              <a:latin typeface="Arial"/>
+            </a:endParaRPr>
+          </a:p>
+        </p:txBody>
+      </p:sp>
+      <p:sp>
+        <p:nvSpPr>
+          <p:cNvPr id="35" name="PlaceHolder 5"/>
+          <p:cNvSpPr>
+            <a:spLocks noGrp="1"/>
+          </p:cNvSpPr>
+          <p:nvPr>
+            <p:ph/>
           </p:nvPr>
         </p:nvSpPr>
         <p:spPr>
@@ -1181,29 +1307,30 @@
           <a:prstGeom prst="rect">
             <a:avLst/>
           </a:prstGeom>
-        </p:spPr>
-        <p:txBody>
-          <a:bodyPr lIns="0" rIns="0" tIns="0" bIns="0">
+          <a:noFill/>
+          <a:ln w="0">
+            <a:noFill/>
+          </a:ln>
+        </p:spPr>
+        <p:txBody>
+          <a:bodyPr lIns="0" rIns="0" tIns="0" bIns="0" anchor="t">
             <a:normAutofit/>
           </a:bodyPr>
           <a:p>
             <a:endParaRPr b="0" lang="pt-BR" sz="3200" spc="-1" strike="noStrike">
-              <a:solidFill>
-                <a:srgbClr val="000000"/>
-              </a:solidFill>
-              <a:latin typeface="Calibri"/>
-            </a:endParaRPr>
-          </a:p>
-        </p:txBody>
-      </p:sp>
-      <p:sp>
-        <p:nvSpPr>
-          <p:cNvPr id="39" name="PlaceHolder 6"/>
-          <p:cNvSpPr>
-            <a:spLocks noGrp="1"/>
-          </p:cNvSpPr>
-          <p:nvPr>
-            <p:ph type="body"/>
+              <a:latin typeface="Arial"/>
+            </a:endParaRPr>
+          </a:p>
+        </p:txBody>
+      </p:sp>
+      <p:sp>
+        <p:nvSpPr>
+          <p:cNvPr id="36" name="PlaceHolder 6"/>
+          <p:cNvSpPr>
+            <a:spLocks noGrp="1"/>
+          </p:cNvSpPr>
+          <p:nvPr>
+            <p:ph/>
           </p:nvPr>
         </p:nvSpPr>
         <p:spPr>
@@ -1214,29 +1341,30 @@
           <a:prstGeom prst="rect">
             <a:avLst/>
           </a:prstGeom>
-        </p:spPr>
-        <p:txBody>
-          <a:bodyPr lIns="0" rIns="0" tIns="0" bIns="0">
+          <a:noFill/>
+          <a:ln w="0">
+            <a:noFill/>
+          </a:ln>
+        </p:spPr>
+        <p:txBody>
+          <a:bodyPr lIns="0" rIns="0" tIns="0" bIns="0" anchor="t">
             <a:normAutofit/>
           </a:bodyPr>
           <a:p>
             <a:endParaRPr b="0" lang="pt-BR" sz="3200" spc="-1" strike="noStrike">
-              <a:solidFill>
-                <a:srgbClr val="000000"/>
-              </a:solidFill>
-              <a:latin typeface="Calibri"/>
-            </a:endParaRPr>
-          </a:p>
-        </p:txBody>
-      </p:sp>
-      <p:sp>
-        <p:nvSpPr>
-          <p:cNvPr id="40" name="PlaceHolder 7"/>
-          <p:cNvSpPr>
-            <a:spLocks noGrp="1"/>
-          </p:cNvSpPr>
-          <p:nvPr>
-            <p:ph type="body"/>
+              <a:latin typeface="Arial"/>
+            </a:endParaRPr>
+          </a:p>
+        </p:txBody>
+      </p:sp>
+      <p:sp>
+        <p:nvSpPr>
+          <p:cNvPr id="37" name="PlaceHolder 7"/>
+          <p:cNvSpPr>
+            <a:spLocks noGrp="1"/>
+          </p:cNvSpPr>
+          <p:nvPr>
+            <p:ph/>
           </p:nvPr>
         </p:nvSpPr>
         <p:spPr>
@@ -1247,17 +1375,18 @@
           <a:prstGeom prst="rect">
             <a:avLst/>
           </a:prstGeom>
-        </p:spPr>
-        <p:txBody>
-          <a:bodyPr lIns="0" rIns="0" tIns="0" bIns="0">
+          <a:noFill/>
+          <a:ln w="0">
+            <a:noFill/>
+          </a:ln>
+        </p:spPr>
+        <p:txBody>
+          <a:bodyPr lIns="0" rIns="0" tIns="0" bIns="0" anchor="t">
             <a:normAutofit/>
           </a:bodyPr>
           <a:p>
             <a:endParaRPr b="0" lang="pt-BR" sz="3200" spc="-1" strike="noStrike">
-              <a:solidFill>
-                <a:srgbClr val="000000"/>
-              </a:solidFill>
-              <a:latin typeface="Calibri"/>
+              <a:latin typeface="Arial"/>
             </a:endParaRPr>
           </a:p>
         </p:txBody>
@@ -1286,7 +1415,7 @@
       </p:grpSpPr>
       <p:sp>
         <p:nvSpPr>
-          <p:cNvPr id="5" name="PlaceHolder 1"/>
+          <p:cNvPr id="2" name="PlaceHolder 1"/>
           <p:cNvSpPr>
             <a:spLocks noGrp="1"/>
           </p:cNvSpPr>
@@ -1297,29 +1426,33 @@
         <p:spPr>
           <a:xfrm>
             <a:off x="685800" y="2130480"/>
-            <a:ext cx="7772040" cy="1469520"/>
-          </a:xfrm>
-          <a:prstGeom prst="rect">
-            <a:avLst/>
-          </a:prstGeom>
+            <a:ext cx="7771680" cy="1469160"/>
+          </a:xfrm>
+          <a:prstGeom prst="rect">
+            <a:avLst/>
+          </a:prstGeom>
+          <a:noFill/>
+          <a:ln w="0">
+            <a:noFill/>
+          </a:ln>
         </p:spPr>
         <p:txBody>
           <a:bodyPr lIns="0" rIns="0" tIns="0" bIns="0" anchor="ctr">
             <a:noAutofit/>
           </a:bodyPr>
           <a:p>
-            <a:endParaRPr b="0" lang="pt-BR" sz="1800" spc="-1" strike="noStrike">
-              <a:solidFill>
-                <a:srgbClr val="000000"/>
-              </a:solidFill>
-              <a:latin typeface="Calibri"/>
-            </a:endParaRPr>
-          </a:p>
-        </p:txBody>
-      </p:sp>
-      <p:sp>
-        <p:nvSpPr>
-          <p:cNvPr id="6" name="PlaceHolder 2"/>
+            <a:pPr algn="ctr">
+              <a:buNone/>
+            </a:pPr>
+            <a:endParaRPr b="0" lang="pt-BR" sz="4400" spc="-1" strike="noStrike">
+              <a:latin typeface="Arial"/>
+            </a:endParaRPr>
+          </a:p>
+        </p:txBody>
+      </p:sp>
+      <p:sp>
+        <p:nvSpPr>
+          <p:cNvPr id="3" name="PlaceHolder 2"/>
           <p:cNvSpPr>
             <a:spLocks noGrp="1"/>
           </p:cNvSpPr>
@@ -1335,13 +1468,19 @@
           <a:prstGeom prst="rect">
             <a:avLst/>
           </a:prstGeom>
+          <a:noFill/>
+          <a:ln w="0">
+            <a:noFill/>
+          </a:ln>
         </p:spPr>
         <p:txBody>
           <a:bodyPr lIns="0" rIns="0" tIns="0" bIns="0" anchor="ctr">
             <a:noAutofit/>
           </a:bodyPr>
           <a:p>
-            <a:pPr algn="ctr"/>
+            <a:pPr algn="ctr">
+              <a:buNone/>
+            </a:pPr>
             <a:endParaRPr b="0" lang="pt-BR" sz="3200" spc="-1" strike="noStrike">
               <a:latin typeface="Arial"/>
             </a:endParaRPr>
@@ -1372,7 +1511,7 @@
       </p:grpSpPr>
       <p:sp>
         <p:nvSpPr>
-          <p:cNvPr id="7" name="PlaceHolder 1"/>
+          <p:cNvPr id="4" name="PlaceHolder 1"/>
           <p:cNvSpPr>
             <a:spLocks noGrp="1"/>
           </p:cNvSpPr>
@@ -1383,34 +1522,38 @@
         <p:spPr>
           <a:xfrm>
             <a:off x="685800" y="2130480"/>
-            <a:ext cx="7772040" cy="1469520"/>
-          </a:xfrm>
-          <a:prstGeom prst="rect">
-            <a:avLst/>
-          </a:prstGeom>
+            <a:ext cx="7771680" cy="1469160"/>
+          </a:xfrm>
+          <a:prstGeom prst="rect">
+            <a:avLst/>
+          </a:prstGeom>
+          <a:noFill/>
+          <a:ln w="0">
+            <a:noFill/>
+          </a:ln>
         </p:spPr>
         <p:txBody>
           <a:bodyPr lIns="0" rIns="0" tIns="0" bIns="0" anchor="ctr">
             <a:noAutofit/>
           </a:bodyPr>
           <a:p>
-            <a:endParaRPr b="0" lang="pt-BR" sz="1800" spc="-1" strike="noStrike">
-              <a:solidFill>
-                <a:srgbClr val="000000"/>
-              </a:solidFill>
-              <a:latin typeface="Calibri"/>
-            </a:endParaRPr>
-          </a:p>
-        </p:txBody>
-      </p:sp>
-      <p:sp>
-        <p:nvSpPr>
-          <p:cNvPr id="8" name="PlaceHolder 2"/>
-          <p:cNvSpPr>
-            <a:spLocks noGrp="1"/>
-          </p:cNvSpPr>
-          <p:nvPr>
-            <p:ph type="body"/>
+            <a:pPr algn="ctr">
+              <a:buNone/>
+            </a:pPr>
+            <a:endParaRPr b="0" lang="pt-BR" sz="4400" spc="-1" strike="noStrike">
+              <a:latin typeface="Arial"/>
+            </a:endParaRPr>
+          </a:p>
+        </p:txBody>
+      </p:sp>
+      <p:sp>
+        <p:nvSpPr>
+          <p:cNvPr id="5" name="PlaceHolder 2"/>
+          <p:cNvSpPr>
+            <a:spLocks noGrp="1"/>
+          </p:cNvSpPr>
+          <p:nvPr>
+            <p:ph/>
           </p:nvPr>
         </p:nvSpPr>
         <p:spPr>
@@ -1421,17 +1564,18 @@
           <a:prstGeom prst="rect">
             <a:avLst/>
           </a:prstGeom>
-        </p:spPr>
-        <p:txBody>
-          <a:bodyPr lIns="0" rIns="0" tIns="0" bIns="0">
+          <a:noFill/>
+          <a:ln w="0">
+            <a:noFill/>
+          </a:ln>
+        </p:spPr>
+        <p:txBody>
+          <a:bodyPr lIns="0" rIns="0" tIns="0" bIns="0" anchor="t">
             <a:normAutofit/>
           </a:bodyPr>
           <a:p>
             <a:endParaRPr b="0" lang="pt-BR" sz="3200" spc="-1" strike="noStrike">
-              <a:solidFill>
-                <a:srgbClr val="000000"/>
-              </a:solidFill>
-              <a:latin typeface="Calibri"/>
+              <a:latin typeface="Arial"/>
             </a:endParaRPr>
           </a:p>
         </p:txBody>
@@ -1460,7 +1604,7 @@
       </p:grpSpPr>
       <p:sp>
         <p:nvSpPr>
-          <p:cNvPr id="9" name="PlaceHolder 1"/>
+          <p:cNvPr id="6" name="PlaceHolder 1"/>
           <p:cNvSpPr>
             <a:spLocks noGrp="1"/>
           </p:cNvSpPr>
@@ -1471,34 +1615,38 @@
         <p:spPr>
           <a:xfrm>
             <a:off x="685800" y="2130480"/>
-            <a:ext cx="7772040" cy="1469520"/>
-          </a:xfrm>
-          <a:prstGeom prst="rect">
-            <a:avLst/>
-          </a:prstGeom>
+            <a:ext cx="7771680" cy="1469160"/>
+          </a:xfrm>
+          <a:prstGeom prst="rect">
+            <a:avLst/>
+          </a:prstGeom>
+          <a:noFill/>
+          <a:ln w="0">
+            <a:noFill/>
+          </a:ln>
         </p:spPr>
         <p:txBody>
           <a:bodyPr lIns="0" rIns="0" tIns="0" bIns="0" anchor="ctr">
             <a:noAutofit/>
           </a:bodyPr>
           <a:p>
-            <a:endParaRPr b="0" lang="pt-BR" sz="1800" spc="-1" strike="noStrike">
-              <a:solidFill>
-                <a:srgbClr val="000000"/>
-              </a:solidFill>
-              <a:latin typeface="Calibri"/>
-            </a:endParaRPr>
-          </a:p>
-        </p:txBody>
-      </p:sp>
-      <p:sp>
-        <p:nvSpPr>
-          <p:cNvPr id="10" name="PlaceHolder 2"/>
-          <p:cNvSpPr>
-            <a:spLocks noGrp="1"/>
-          </p:cNvSpPr>
-          <p:nvPr>
-            <p:ph type="body"/>
+            <a:pPr algn="ctr">
+              <a:buNone/>
+            </a:pPr>
+            <a:endParaRPr b="0" lang="pt-BR" sz="4400" spc="-1" strike="noStrike">
+              <a:latin typeface="Arial"/>
+            </a:endParaRPr>
+          </a:p>
+        </p:txBody>
+      </p:sp>
+      <p:sp>
+        <p:nvSpPr>
+          <p:cNvPr id="7" name="PlaceHolder 2"/>
+          <p:cNvSpPr>
+            <a:spLocks noGrp="1"/>
+          </p:cNvSpPr>
+          <p:nvPr>
+            <p:ph/>
           </p:nvPr>
         </p:nvSpPr>
         <p:spPr>
@@ -1509,29 +1657,30 @@
           <a:prstGeom prst="rect">
             <a:avLst/>
           </a:prstGeom>
-        </p:spPr>
-        <p:txBody>
-          <a:bodyPr lIns="0" rIns="0" tIns="0" bIns="0">
+          <a:noFill/>
+          <a:ln w="0">
+            <a:noFill/>
+          </a:ln>
+        </p:spPr>
+        <p:txBody>
+          <a:bodyPr lIns="0" rIns="0" tIns="0" bIns="0" anchor="t">
             <a:normAutofit/>
           </a:bodyPr>
           <a:p>
             <a:endParaRPr b="0" lang="pt-BR" sz="3200" spc="-1" strike="noStrike">
-              <a:solidFill>
-                <a:srgbClr val="000000"/>
-              </a:solidFill>
-              <a:latin typeface="Calibri"/>
-            </a:endParaRPr>
-          </a:p>
-        </p:txBody>
-      </p:sp>
-      <p:sp>
-        <p:nvSpPr>
-          <p:cNvPr id="11" name="PlaceHolder 3"/>
-          <p:cNvSpPr>
-            <a:spLocks noGrp="1"/>
-          </p:cNvSpPr>
-          <p:nvPr>
-            <p:ph type="body"/>
+              <a:latin typeface="Arial"/>
+            </a:endParaRPr>
+          </a:p>
+        </p:txBody>
+      </p:sp>
+      <p:sp>
+        <p:nvSpPr>
+          <p:cNvPr id="8" name="PlaceHolder 3"/>
+          <p:cNvSpPr>
+            <a:spLocks noGrp="1"/>
+          </p:cNvSpPr>
+          <p:nvPr>
+            <p:ph/>
           </p:nvPr>
         </p:nvSpPr>
         <p:spPr>
@@ -1542,17 +1691,18 @@
           <a:prstGeom prst="rect">
             <a:avLst/>
           </a:prstGeom>
-        </p:spPr>
-        <p:txBody>
-          <a:bodyPr lIns="0" rIns="0" tIns="0" bIns="0">
+          <a:noFill/>
+          <a:ln w="0">
+            <a:noFill/>
+          </a:ln>
+        </p:spPr>
+        <p:txBody>
+          <a:bodyPr lIns="0" rIns="0" tIns="0" bIns="0" anchor="t">
             <a:normAutofit/>
           </a:bodyPr>
           <a:p>
             <a:endParaRPr b="0" lang="pt-BR" sz="3200" spc="-1" strike="noStrike">
-              <a:solidFill>
-                <a:srgbClr val="000000"/>
-              </a:solidFill>
-              <a:latin typeface="Calibri"/>
+              <a:latin typeface="Arial"/>
             </a:endParaRPr>
           </a:p>
         </p:txBody>
@@ -1581,7 +1731,7 @@
       </p:grpSpPr>
       <p:sp>
         <p:nvSpPr>
-          <p:cNvPr id="12" name="PlaceHolder 1"/>
+          <p:cNvPr id="9" name="PlaceHolder 1"/>
           <p:cNvSpPr>
             <a:spLocks noGrp="1"/>
           </p:cNvSpPr>
@@ -1592,22 +1742,26 @@
         <p:spPr>
           <a:xfrm>
             <a:off x="685800" y="2130480"/>
-            <a:ext cx="7772040" cy="1469520"/>
-          </a:xfrm>
-          <a:prstGeom prst="rect">
-            <a:avLst/>
-          </a:prstGeom>
+            <a:ext cx="7771680" cy="1469160"/>
+          </a:xfrm>
+          <a:prstGeom prst="rect">
+            <a:avLst/>
+          </a:prstGeom>
+          <a:noFill/>
+          <a:ln w="0">
+            <a:noFill/>
+          </a:ln>
         </p:spPr>
         <p:txBody>
           <a:bodyPr lIns="0" rIns="0" tIns="0" bIns="0" anchor="ctr">
             <a:noAutofit/>
           </a:bodyPr>
           <a:p>
-            <a:endParaRPr b="0" lang="pt-BR" sz="1800" spc="-1" strike="noStrike">
-              <a:solidFill>
-                <a:srgbClr val="000000"/>
-              </a:solidFill>
-              <a:latin typeface="Calibri"/>
+            <a:pPr algn="ctr">
+              <a:buNone/>
+            </a:pPr>
+            <a:endParaRPr b="0" lang="pt-BR" sz="4400" spc="-1" strike="noStrike">
+              <a:latin typeface="Arial"/>
             </a:endParaRPr>
           </a:p>
         </p:txBody>
@@ -1636,7 +1790,7 @@
       </p:grpSpPr>
       <p:sp>
         <p:nvSpPr>
-          <p:cNvPr id="13" name="PlaceHolder 1"/>
+          <p:cNvPr id="10" name="PlaceHolder 1"/>
           <p:cNvSpPr>
             <a:spLocks noGrp="1"/>
           </p:cNvSpPr>
@@ -1647,18 +1801,24 @@
         <p:spPr>
           <a:xfrm>
             <a:off x="685800" y="2130480"/>
-            <a:ext cx="7772040" cy="6813000"/>
-          </a:xfrm>
-          <a:prstGeom prst="rect">
-            <a:avLst/>
-          </a:prstGeom>
+            <a:ext cx="7771680" cy="6811560"/>
+          </a:xfrm>
+          <a:prstGeom prst="rect">
+            <a:avLst/>
+          </a:prstGeom>
+          <a:noFill/>
+          <a:ln w="0">
+            <a:noFill/>
+          </a:ln>
         </p:spPr>
         <p:txBody>
           <a:bodyPr lIns="0" rIns="0" tIns="0" bIns="0" anchor="ctr">
             <a:noAutofit/>
           </a:bodyPr>
           <a:p>
-            <a:pPr algn="ctr"/>
+            <a:pPr algn="ctr">
+              <a:buNone/>
+            </a:pPr>
             <a:endParaRPr b="0" lang="pt-BR" sz="3200" spc="-1" strike="noStrike">
               <a:latin typeface="Arial"/>
             </a:endParaRPr>
@@ -1689,7 +1849,7 @@
       </p:grpSpPr>
       <p:sp>
         <p:nvSpPr>
-          <p:cNvPr id="14" name="PlaceHolder 1"/>
+          <p:cNvPr id="11" name="PlaceHolder 1"/>
           <p:cNvSpPr>
             <a:spLocks noGrp="1"/>
           </p:cNvSpPr>
@@ -1700,34 +1860,38 @@
         <p:spPr>
           <a:xfrm>
             <a:off x="685800" y="2130480"/>
-            <a:ext cx="7772040" cy="1469520"/>
-          </a:xfrm>
-          <a:prstGeom prst="rect">
-            <a:avLst/>
-          </a:prstGeom>
+            <a:ext cx="7771680" cy="1469160"/>
+          </a:xfrm>
+          <a:prstGeom prst="rect">
+            <a:avLst/>
+          </a:prstGeom>
+          <a:noFill/>
+          <a:ln w="0">
+            <a:noFill/>
+          </a:ln>
         </p:spPr>
         <p:txBody>
           <a:bodyPr lIns="0" rIns="0" tIns="0" bIns="0" anchor="ctr">
             <a:noAutofit/>
           </a:bodyPr>
           <a:p>
-            <a:endParaRPr b="0" lang="pt-BR" sz="1800" spc="-1" strike="noStrike">
-              <a:solidFill>
-                <a:srgbClr val="000000"/>
-              </a:solidFill>
-              <a:latin typeface="Calibri"/>
-            </a:endParaRPr>
-          </a:p>
-        </p:txBody>
-      </p:sp>
-      <p:sp>
-        <p:nvSpPr>
-          <p:cNvPr id="15" name="PlaceHolder 2"/>
-          <p:cNvSpPr>
-            <a:spLocks noGrp="1"/>
-          </p:cNvSpPr>
-          <p:nvPr>
-            <p:ph type="body"/>
+            <a:pPr algn="ctr">
+              <a:buNone/>
+            </a:pPr>
+            <a:endParaRPr b="0" lang="pt-BR" sz="4400" spc="-1" strike="noStrike">
+              <a:latin typeface="Arial"/>
+            </a:endParaRPr>
+          </a:p>
+        </p:txBody>
+      </p:sp>
+      <p:sp>
+        <p:nvSpPr>
+          <p:cNvPr id="12" name="PlaceHolder 2"/>
+          <p:cNvSpPr>
+            <a:spLocks noGrp="1"/>
+          </p:cNvSpPr>
+          <p:nvPr>
+            <p:ph/>
           </p:nvPr>
         </p:nvSpPr>
         <p:spPr>
@@ -1738,29 +1902,30 @@
           <a:prstGeom prst="rect">
             <a:avLst/>
           </a:prstGeom>
-        </p:spPr>
-        <p:txBody>
-          <a:bodyPr lIns="0" rIns="0" tIns="0" bIns="0">
+          <a:noFill/>
+          <a:ln w="0">
+            <a:noFill/>
+          </a:ln>
+        </p:spPr>
+        <p:txBody>
+          <a:bodyPr lIns="0" rIns="0" tIns="0" bIns="0" anchor="t">
             <a:normAutofit/>
           </a:bodyPr>
           <a:p>
             <a:endParaRPr b="0" lang="pt-BR" sz="3200" spc="-1" strike="noStrike">
-              <a:solidFill>
-                <a:srgbClr val="000000"/>
-              </a:solidFill>
-              <a:latin typeface="Calibri"/>
-            </a:endParaRPr>
-          </a:p>
-        </p:txBody>
-      </p:sp>
-      <p:sp>
-        <p:nvSpPr>
-          <p:cNvPr id="16" name="PlaceHolder 3"/>
-          <p:cNvSpPr>
-            <a:spLocks noGrp="1"/>
-          </p:cNvSpPr>
-          <p:nvPr>
-            <p:ph type="body"/>
+              <a:latin typeface="Arial"/>
+            </a:endParaRPr>
+          </a:p>
+        </p:txBody>
+      </p:sp>
+      <p:sp>
+        <p:nvSpPr>
+          <p:cNvPr id="13" name="PlaceHolder 3"/>
+          <p:cNvSpPr>
+            <a:spLocks noGrp="1"/>
+          </p:cNvSpPr>
+          <p:nvPr>
+            <p:ph/>
           </p:nvPr>
         </p:nvSpPr>
         <p:spPr>
@@ -1771,29 +1936,30 @@
           <a:prstGeom prst="rect">
             <a:avLst/>
           </a:prstGeom>
-        </p:spPr>
-        <p:txBody>
-          <a:bodyPr lIns="0" rIns="0" tIns="0" bIns="0">
+          <a:noFill/>
+          <a:ln w="0">
+            <a:noFill/>
+          </a:ln>
+        </p:spPr>
+        <p:txBody>
+          <a:bodyPr lIns="0" rIns="0" tIns="0" bIns="0" anchor="t">
             <a:normAutofit/>
           </a:bodyPr>
           <a:p>
             <a:endParaRPr b="0" lang="pt-BR" sz="3200" spc="-1" strike="noStrike">
-              <a:solidFill>
-                <a:srgbClr val="000000"/>
-              </a:solidFill>
-              <a:latin typeface="Calibri"/>
-            </a:endParaRPr>
-          </a:p>
-        </p:txBody>
-      </p:sp>
-      <p:sp>
-        <p:nvSpPr>
-          <p:cNvPr id="17" name="PlaceHolder 4"/>
-          <p:cNvSpPr>
-            <a:spLocks noGrp="1"/>
-          </p:cNvSpPr>
-          <p:nvPr>
-            <p:ph type="body"/>
+              <a:latin typeface="Arial"/>
+            </a:endParaRPr>
+          </a:p>
+        </p:txBody>
+      </p:sp>
+      <p:sp>
+        <p:nvSpPr>
+          <p:cNvPr id="14" name="PlaceHolder 4"/>
+          <p:cNvSpPr>
+            <a:spLocks noGrp="1"/>
+          </p:cNvSpPr>
+          <p:nvPr>
+            <p:ph/>
           </p:nvPr>
         </p:nvSpPr>
         <p:spPr>
@@ -1804,17 +1970,18 @@
           <a:prstGeom prst="rect">
             <a:avLst/>
           </a:prstGeom>
-        </p:spPr>
-        <p:txBody>
-          <a:bodyPr lIns="0" rIns="0" tIns="0" bIns="0">
+          <a:noFill/>
+          <a:ln w="0">
+            <a:noFill/>
+          </a:ln>
+        </p:spPr>
+        <p:txBody>
+          <a:bodyPr lIns="0" rIns="0" tIns="0" bIns="0" anchor="t">
             <a:normAutofit/>
           </a:bodyPr>
           <a:p>
             <a:endParaRPr b="0" lang="pt-BR" sz="3200" spc="-1" strike="noStrike">
-              <a:solidFill>
-                <a:srgbClr val="000000"/>
-              </a:solidFill>
-              <a:latin typeface="Calibri"/>
+              <a:latin typeface="Arial"/>
             </a:endParaRPr>
           </a:p>
         </p:txBody>
@@ -1843,7 +2010,7 @@
       </p:grpSpPr>
       <p:sp>
         <p:nvSpPr>
-          <p:cNvPr id="18" name="PlaceHolder 1"/>
+          <p:cNvPr id="15" name="PlaceHolder 1"/>
           <p:cNvSpPr>
             <a:spLocks noGrp="1"/>
           </p:cNvSpPr>
@@ -1854,34 +2021,38 @@
         <p:spPr>
           <a:xfrm>
             <a:off x="685800" y="2130480"/>
-            <a:ext cx="7772040" cy="1469520"/>
-          </a:xfrm>
-          <a:prstGeom prst="rect">
-            <a:avLst/>
-          </a:prstGeom>
+            <a:ext cx="7771680" cy="1469160"/>
+          </a:xfrm>
+          <a:prstGeom prst="rect">
+            <a:avLst/>
+          </a:prstGeom>
+          <a:noFill/>
+          <a:ln w="0">
+            <a:noFill/>
+          </a:ln>
         </p:spPr>
         <p:txBody>
           <a:bodyPr lIns="0" rIns="0" tIns="0" bIns="0" anchor="ctr">
             <a:noAutofit/>
           </a:bodyPr>
           <a:p>
-            <a:endParaRPr b="0" lang="pt-BR" sz="1800" spc="-1" strike="noStrike">
-              <a:solidFill>
-                <a:srgbClr val="000000"/>
-              </a:solidFill>
-              <a:latin typeface="Calibri"/>
-            </a:endParaRPr>
-          </a:p>
-        </p:txBody>
-      </p:sp>
-      <p:sp>
-        <p:nvSpPr>
-          <p:cNvPr id="19" name="PlaceHolder 2"/>
-          <p:cNvSpPr>
-            <a:spLocks noGrp="1"/>
-          </p:cNvSpPr>
-          <p:nvPr>
-            <p:ph type="body"/>
+            <a:pPr algn="ctr">
+              <a:buNone/>
+            </a:pPr>
+            <a:endParaRPr b="0" lang="pt-BR" sz="4400" spc="-1" strike="noStrike">
+              <a:latin typeface="Arial"/>
+            </a:endParaRPr>
+          </a:p>
+        </p:txBody>
+      </p:sp>
+      <p:sp>
+        <p:nvSpPr>
+          <p:cNvPr id="16" name="PlaceHolder 2"/>
+          <p:cNvSpPr>
+            <a:spLocks noGrp="1"/>
+          </p:cNvSpPr>
+          <p:nvPr>
+            <p:ph/>
           </p:nvPr>
         </p:nvSpPr>
         <p:spPr>
@@ -1892,29 +2063,30 @@
           <a:prstGeom prst="rect">
             <a:avLst/>
           </a:prstGeom>
-        </p:spPr>
-        <p:txBody>
-          <a:bodyPr lIns="0" rIns="0" tIns="0" bIns="0">
+          <a:noFill/>
+          <a:ln w="0">
+            <a:noFill/>
+          </a:ln>
+        </p:spPr>
+        <p:txBody>
+          <a:bodyPr lIns="0" rIns="0" tIns="0" bIns="0" anchor="t">
             <a:normAutofit/>
           </a:bodyPr>
           <a:p>
             <a:endParaRPr b="0" lang="pt-BR" sz="3200" spc="-1" strike="noStrike">
-              <a:solidFill>
-                <a:srgbClr val="000000"/>
-              </a:solidFill>
-              <a:latin typeface="Calibri"/>
-            </a:endParaRPr>
-          </a:p>
-        </p:txBody>
-      </p:sp>
-      <p:sp>
-        <p:nvSpPr>
-          <p:cNvPr id="20" name="PlaceHolder 3"/>
-          <p:cNvSpPr>
-            <a:spLocks noGrp="1"/>
-          </p:cNvSpPr>
-          <p:nvPr>
-            <p:ph type="body"/>
+              <a:latin typeface="Arial"/>
+            </a:endParaRPr>
+          </a:p>
+        </p:txBody>
+      </p:sp>
+      <p:sp>
+        <p:nvSpPr>
+          <p:cNvPr id="17" name="PlaceHolder 3"/>
+          <p:cNvSpPr>
+            <a:spLocks noGrp="1"/>
+          </p:cNvSpPr>
+          <p:nvPr>
+            <p:ph/>
           </p:nvPr>
         </p:nvSpPr>
         <p:spPr>
@@ -1925,29 +2097,30 @@
           <a:prstGeom prst="rect">
             <a:avLst/>
           </a:prstGeom>
-        </p:spPr>
-        <p:txBody>
-          <a:bodyPr lIns="0" rIns="0" tIns="0" bIns="0">
+          <a:noFill/>
+          <a:ln w="0">
+            <a:noFill/>
+          </a:ln>
+        </p:spPr>
+        <p:txBody>
+          <a:bodyPr lIns="0" rIns="0" tIns="0" bIns="0" anchor="t">
             <a:normAutofit/>
           </a:bodyPr>
           <a:p>
             <a:endParaRPr b="0" lang="pt-BR" sz="3200" spc="-1" strike="noStrike">
-              <a:solidFill>
-                <a:srgbClr val="000000"/>
-              </a:solidFill>
-              <a:latin typeface="Calibri"/>
-            </a:endParaRPr>
-          </a:p>
-        </p:txBody>
-      </p:sp>
-      <p:sp>
-        <p:nvSpPr>
-          <p:cNvPr id="21" name="PlaceHolder 4"/>
-          <p:cNvSpPr>
-            <a:spLocks noGrp="1"/>
-          </p:cNvSpPr>
-          <p:nvPr>
-            <p:ph type="body"/>
+              <a:latin typeface="Arial"/>
+            </a:endParaRPr>
+          </a:p>
+        </p:txBody>
+      </p:sp>
+      <p:sp>
+        <p:nvSpPr>
+          <p:cNvPr id="18" name="PlaceHolder 4"/>
+          <p:cNvSpPr>
+            <a:spLocks noGrp="1"/>
+          </p:cNvSpPr>
+          <p:nvPr>
+            <p:ph/>
           </p:nvPr>
         </p:nvSpPr>
         <p:spPr>
@@ -1958,17 +2131,18 @@
           <a:prstGeom prst="rect">
             <a:avLst/>
           </a:prstGeom>
-        </p:spPr>
-        <p:txBody>
-          <a:bodyPr lIns="0" rIns="0" tIns="0" bIns="0">
+          <a:noFill/>
+          <a:ln w="0">
+            <a:noFill/>
+          </a:ln>
+        </p:spPr>
+        <p:txBody>
+          <a:bodyPr lIns="0" rIns="0" tIns="0" bIns="0" anchor="t">
             <a:normAutofit/>
           </a:bodyPr>
           <a:p>
             <a:endParaRPr b="0" lang="pt-BR" sz="3200" spc="-1" strike="noStrike">
-              <a:solidFill>
-                <a:srgbClr val="000000"/>
-              </a:solidFill>
-              <a:latin typeface="Calibri"/>
+              <a:latin typeface="Arial"/>
             </a:endParaRPr>
           </a:p>
         </p:txBody>
@@ -1997,7 +2171,7 @@
       </p:grpSpPr>
       <p:sp>
         <p:nvSpPr>
-          <p:cNvPr id="22" name="PlaceHolder 1"/>
+          <p:cNvPr id="19" name="PlaceHolder 1"/>
           <p:cNvSpPr>
             <a:spLocks noGrp="1"/>
           </p:cNvSpPr>
@@ -2008,34 +2182,38 @@
         <p:spPr>
           <a:xfrm>
             <a:off x="685800" y="2130480"/>
-            <a:ext cx="7772040" cy="1469520"/>
-          </a:xfrm>
-          <a:prstGeom prst="rect">
-            <a:avLst/>
-          </a:prstGeom>
+            <a:ext cx="7771680" cy="1469160"/>
+          </a:xfrm>
+          <a:prstGeom prst="rect">
+            <a:avLst/>
+          </a:prstGeom>
+          <a:noFill/>
+          <a:ln w="0">
+            <a:noFill/>
+          </a:ln>
         </p:spPr>
         <p:txBody>
           <a:bodyPr lIns="0" rIns="0" tIns="0" bIns="0" anchor="ctr">
             <a:noAutofit/>
           </a:bodyPr>
           <a:p>
-            <a:endParaRPr b="0" lang="pt-BR" sz="1800" spc="-1" strike="noStrike">
-              <a:solidFill>
-                <a:srgbClr val="000000"/>
-              </a:solidFill>
-              <a:latin typeface="Calibri"/>
-            </a:endParaRPr>
-          </a:p>
-        </p:txBody>
-      </p:sp>
-      <p:sp>
-        <p:nvSpPr>
-          <p:cNvPr id="23" name="PlaceHolder 2"/>
-          <p:cNvSpPr>
-            <a:spLocks noGrp="1"/>
-          </p:cNvSpPr>
-          <p:nvPr>
-            <p:ph type="body"/>
+            <a:pPr algn="ctr">
+              <a:buNone/>
+            </a:pPr>
+            <a:endParaRPr b="0" lang="pt-BR" sz="4400" spc="-1" strike="noStrike">
+              <a:latin typeface="Arial"/>
+            </a:endParaRPr>
+          </a:p>
+        </p:txBody>
+      </p:sp>
+      <p:sp>
+        <p:nvSpPr>
+          <p:cNvPr id="20" name="PlaceHolder 2"/>
+          <p:cNvSpPr>
+            <a:spLocks noGrp="1"/>
+          </p:cNvSpPr>
+          <p:nvPr>
+            <p:ph/>
           </p:nvPr>
         </p:nvSpPr>
         <p:spPr>
@@ -2046,29 +2224,30 @@
           <a:prstGeom prst="rect">
             <a:avLst/>
           </a:prstGeom>
-        </p:spPr>
-        <p:txBody>
-          <a:bodyPr lIns="0" rIns="0" tIns="0" bIns="0">
+          <a:noFill/>
+          <a:ln w="0">
+            <a:noFill/>
+          </a:ln>
+        </p:spPr>
+        <p:txBody>
+          <a:bodyPr lIns="0" rIns="0" tIns="0" bIns="0" anchor="t">
             <a:normAutofit/>
           </a:bodyPr>
           <a:p>
             <a:endParaRPr b="0" lang="pt-BR" sz="3200" spc="-1" strike="noStrike">
-              <a:solidFill>
-                <a:srgbClr val="000000"/>
-              </a:solidFill>
-              <a:latin typeface="Calibri"/>
-            </a:endParaRPr>
-          </a:p>
-        </p:txBody>
-      </p:sp>
-      <p:sp>
-        <p:nvSpPr>
-          <p:cNvPr id="24" name="PlaceHolder 3"/>
-          <p:cNvSpPr>
-            <a:spLocks noGrp="1"/>
-          </p:cNvSpPr>
-          <p:nvPr>
-            <p:ph type="body"/>
+              <a:latin typeface="Arial"/>
+            </a:endParaRPr>
+          </a:p>
+        </p:txBody>
+      </p:sp>
+      <p:sp>
+        <p:nvSpPr>
+          <p:cNvPr id="21" name="PlaceHolder 3"/>
+          <p:cNvSpPr>
+            <a:spLocks noGrp="1"/>
+          </p:cNvSpPr>
+          <p:nvPr>
+            <p:ph/>
           </p:nvPr>
         </p:nvSpPr>
         <p:spPr>
@@ -2079,29 +2258,30 @@
           <a:prstGeom prst="rect">
             <a:avLst/>
           </a:prstGeom>
-        </p:spPr>
-        <p:txBody>
-          <a:bodyPr lIns="0" rIns="0" tIns="0" bIns="0">
+          <a:noFill/>
+          <a:ln w="0">
+            <a:noFill/>
+          </a:ln>
+        </p:spPr>
+        <p:txBody>
+          <a:bodyPr lIns="0" rIns="0" tIns="0" bIns="0" anchor="t">
             <a:normAutofit/>
           </a:bodyPr>
           <a:p>
             <a:endParaRPr b="0" lang="pt-BR" sz="3200" spc="-1" strike="noStrike">
-              <a:solidFill>
-                <a:srgbClr val="000000"/>
-              </a:solidFill>
-              <a:latin typeface="Calibri"/>
-            </a:endParaRPr>
-          </a:p>
-        </p:txBody>
-      </p:sp>
-      <p:sp>
-        <p:nvSpPr>
-          <p:cNvPr id="25" name="PlaceHolder 4"/>
-          <p:cNvSpPr>
-            <a:spLocks noGrp="1"/>
-          </p:cNvSpPr>
-          <p:nvPr>
-            <p:ph type="body"/>
+              <a:latin typeface="Arial"/>
+            </a:endParaRPr>
+          </a:p>
+        </p:txBody>
+      </p:sp>
+      <p:sp>
+        <p:nvSpPr>
+          <p:cNvPr id="22" name="PlaceHolder 4"/>
+          <p:cNvSpPr>
+            <a:spLocks noGrp="1"/>
+          </p:cNvSpPr>
+          <p:nvPr>
+            <p:ph/>
           </p:nvPr>
         </p:nvSpPr>
         <p:spPr>
@@ -2112,17 +2292,18 @@
           <a:prstGeom prst="rect">
             <a:avLst/>
           </a:prstGeom>
-        </p:spPr>
-        <p:txBody>
-          <a:bodyPr lIns="0" rIns="0" tIns="0" bIns="0">
+          <a:noFill/>
+          <a:ln w="0">
+            <a:noFill/>
+          </a:ln>
+        </p:spPr>
+        <p:txBody>
+          <a:bodyPr lIns="0" rIns="0" tIns="0" bIns="0" anchor="t">
             <a:normAutofit/>
           </a:bodyPr>
           <a:p>
             <a:endParaRPr b="0" lang="pt-BR" sz="3200" spc="-1" strike="noStrike">
-              <a:solidFill>
-                <a:srgbClr val="000000"/>
-              </a:solidFill>
-              <a:latin typeface="Calibri"/>
+              <a:latin typeface="Arial"/>
             </a:endParaRPr>
           </a:p>
         </p:txBody>
@@ -2169,45 +2350,29 @@
         <p:spPr>
           <a:xfrm>
             <a:off x="685800" y="2130480"/>
-            <a:ext cx="7772040" cy="1469520"/>
-          </a:xfrm>
-          <a:prstGeom prst="rect">
-            <a:avLst/>
-          </a:prstGeom>
-        </p:spPr>
-        <p:txBody>
-          <a:bodyPr anchor="ctr">
+            <a:ext cx="7771680" cy="1469160"/>
+          </a:xfrm>
+          <a:prstGeom prst="rect">
+            <a:avLst/>
+          </a:prstGeom>
+          <a:noFill/>
+          <a:ln w="0">
+            <a:noFill/>
+          </a:ln>
+        </p:spPr>
+        <p:txBody>
+          <a:bodyPr lIns="0" rIns="0" tIns="0" bIns="0" anchor="ctr">
             <a:noAutofit/>
           </a:bodyPr>
           <a:p>
-            <a:pPr algn="ctr">
-              <a:lnSpc>
-                <a:spcPct val="100000"/>
-              </a:lnSpc>
-            </a:pPr>
-            <a:r>
-              <a:rPr b="0" lang="pt-BR" sz="4400" spc="-1" strike="noStrike">
-                <a:solidFill>
-                  <a:srgbClr val="000000"/>
-                </a:solidFill>
-                <a:latin typeface="Calibri"/>
-              </a:rPr>
-              <a:t>Clique para editar </a:t>
-            </a:r>
-            <a:r>
-              <a:rPr b="0" lang="pt-BR" sz="4400" spc="-1" strike="noStrike">
-                <a:solidFill>
-                  <a:srgbClr val="000000"/>
-                </a:solidFill>
-                <a:latin typeface="Calibri"/>
-              </a:rPr>
-              <a:t>o título mestre</a:t>
-            </a:r>
-            <a:endParaRPr b="0" lang="pt-BR" sz="4400" spc="-1" strike="noStrike">
-              <a:solidFill>
-                <a:srgbClr val="000000"/>
-              </a:solidFill>
-              <a:latin typeface="Calibri"/>
+            <a:r>
+              <a:rPr b="0" lang="pt-BR" sz="1800" spc="-1" strike="noStrike">
+                <a:latin typeface="Arial"/>
+              </a:rPr>
+              <a:t>Clique para editar o formato do texto do título</a:t>
+            </a:r>
+            <a:endParaRPr b="0" lang="pt-BR" sz="1800" spc="-1" strike="noStrike">
+              <a:latin typeface="Arial"/>
             </a:endParaRPr>
           </a:p>
         </p:txBody>
@@ -2215,124 +2380,6 @@
       <p:sp>
         <p:nvSpPr>
           <p:cNvPr id="1" name="PlaceHolder 2"/>
-          <p:cNvSpPr>
-            <a:spLocks noGrp="1"/>
-          </p:cNvSpPr>
-          <p:nvPr>
-            <p:ph type="dt"/>
-          </p:nvPr>
-        </p:nvSpPr>
-        <p:spPr>
-          <a:xfrm>
-            <a:off x="457200" y="6356520"/>
-            <a:ext cx="2133360" cy="364680"/>
-          </a:xfrm>
-          <a:prstGeom prst="rect">
-            <a:avLst/>
-          </a:prstGeom>
-        </p:spPr>
-        <p:txBody>
-          <a:bodyPr anchor="ctr">
-            <a:noAutofit/>
-          </a:bodyPr>
-          <a:p>
-            <a:pPr>
-              <a:lnSpc>
-                <a:spcPct val="100000"/>
-              </a:lnSpc>
-            </a:pPr>
-            <a:fld id="{E7C713C6-9B87-4ECE-B7CD-1369CCC3DE0F}" type="datetime">
-              <a:rPr b="0" lang="pt-BR" sz="1200" spc="-1" strike="noStrike">
-                <a:solidFill>
-                  <a:srgbClr val="8b8b8b"/>
-                </a:solidFill>
-                <a:latin typeface="Calibri"/>
-              </a:rPr>
-              <a:t>08/01/21</a:t>
-            </a:fld>
-            <a:endParaRPr b="0" lang="pt-BR" sz="1200" spc="-1" strike="noStrike">
-              <a:latin typeface="Times New Roman"/>
-            </a:endParaRPr>
-          </a:p>
-        </p:txBody>
-      </p:sp>
-      <p:sp>
-        <p:nvSpPr>
-          <p:cNvPr id="2" name="PlaceHolder 3"/>
-          <p:cNvSpPr>
-            <a:spLocks noGrp="1"/>
-          </p:cNvSpPr>
-          <p:nvPr>
-            <p:ph type="ftr"/>
-          </p:nvPr>
-        </p:nvSpPr>
-        <p:spPr>
-          <a:xfrm>
-            <a:off x="3124080" y="6356520"/>
-            <a:ext cx="2895120" cy="364680"/>
-          </a:xfrm>
-          <a:prstGeom prst="rect">
-            <a:avLst/>
-          </a:prstGeom>
-        </p:spPr>
-        <p:txBody>
-          <a:bodyPr anchor="ctr">
-            <a:noAutofit/>
-          </a:bodyPr>
-          <a:p>
-            <a:endParaRPr b="0" lang="pt-BR" sz="2400" spc="-1" strike="noStrike">
-              <a:latin typeface="Times New Roman"/>
-            </a:endParaRPr>
-          </a:p>
-        </p:txBody>
-      </p:sp>
-      <p:sp>
-        <p:nvSpPr>
-          <p:cNvPr id="3" name="PlaceHolder 4"/>
-          <p:cNvSpPr>
-            <a:spLocks noGrp="1"/>
-          </p:cNvSpPr>
-          <p:nvPr>
-            <p:ph type="sldNum"/>
-          </p:nvPr>
-        </p:nvSpPr>
-        <p:spPr>
-          <a:xfrm>
-            <a:off x="6553080" y="6356520"/>
-            <a:ext cx="2133360" cy="364680"/>
-          </a:xfrm>
-          <a:prstGeom prst="rect">
-            <a:avLst/>
-          </a:prstGeom>
-        </p:spPr>
-        <p:txBody>
-          <a:bodyPr anchor="ctr">
-            <a:noAutofit/>
-          </a:bodyPr>
-          <a:p>
-            <a:pPr algn="r">
-              <a:lnSpc>
-                <a:spcPct val="100000"/>
-              </a:lnSpc>
-            </a:pPr>
-            <a:fld id="{D665C847-D4E0-40CD-AC0A-0AC7A80813CD}" type="slidenum">
-              <a:rPr b="0" lang="pt-BR" sz="1200" spc="-1" strike="noStrike">
-                <a:solidFill>
-                  <a:srgbClr val="8b8b8b"/>
-                </a:solidFill>
-                <a:latin typeface="Calibri"/>
-              </a:rPr>
-              <a:t>&lt;número&gt;</a:t>
-            </a:fld>
-            <a:endParaRPr b="0" lang="pt-BR" sz="1200" spc="-1" strike="noStrike">
-              <a:latin typeface="Times New Roman"/>
-            </a:endParaRPr>
-          </a:p>
-        </p:txBody>
-      </p:sp>
-      <p:sp>
-        <p:nvSpPr>
-          <p:cNvPr id="4" name="PlaceHolder 5"/>
           <p:cNvSpPr>
             <a:spLocks noGrp="1"/>
           </p:cNvSpPr>
@@ -2348,9 +2395,13 @@
           <a:prstGeom prst="rect">
             <a:avLst/>
           </a:prstGeom>
-        </p:spPr>
-        <p:txBody>
-          <a:bodyPr lIns="0" rIns="0" tIns="0" bIns="0">
+          <a:noFill/>
+          <a:ln w="0">
+            <a:noFill/>
+          </a:ln>
+        </p:spPr>
+        <p:txBody>
+          <a:bodyPr lIns="0" rIns="0" tIns="0" bIns="0" anchor="t">
             <a:normAutofit/>
           </a:bodyPr>
           <a:p>
@@ -2367,18 +2418,12 @@
             </a:pPr>
             <a:r>
               <a:rPr b="0" lang="pt-BR" sz="3200" spc="-1" strike="noStrike">
-                <a:solidFill>
-                  <a:srgbClr val="000000"/>
-                </a:solidFill>
-                <a:latin typeface="Calibri"/>
+                <a:latin typeface="Arial"/>
               </a:rPr>
               <a:t>Clique para editar o formato do texto da estrutura de tópicos</a:t>
             </a:r>
             <a:endParaRPr b="0" lang="pt-BR" sz="3200" spc="-1" strike="noStrike">
-              <a:solidFill>
-                <a:srgbClr val="000000"/>
-              </a:solidFill>
-              <a:latin typeface="Calibri"/>
+              <a:latin typeface="Arial"/>
             </a:endParaRPr>
           </a:p>
           <a:p>
@@ -2394,19 +2439,13 @@
               <a:buChar char=""/>
             </a:pPr>
             <a:r>
-              <a:rPr b="0" lang="pt-BR" sz="2400" spc="-1" strike="noStrike">
-                <a:solidFill>
-                  <a:srgbClr val="000000"/>
-                </a:solidFill>
-                <a:latin typeface="Calibri"/>
+              <a:rPr b="0" lang="pt-BR" sz="2800" spc="-1" strike="noStrike">
+                <a:latin typeface="Arial"/>
               </a:rPr>
               <a:t>2.º nível da estrutura de tópicos</a:t>
             </a:r>
-            <a:endParaRPr b="0" lang="pt-BR" sz="2400" spc="-1" strike="noStrike">
-              <a:solidFill>
-                <a:srgbClr val="000000"/>
-              </a:solidFill>
-              <a:latin typeface="Calibri"/>
+            <a:endParaRPr b="0" lang="pt-BR" sz="2800" spc="-1" strike="noStrike">
+              <a:latin typeface="Arial"/>
             </a:endParaRPr>
           </a:p>
           <a:p>
@@ -2422,19 +2461,13 @@
               <a:buChar char=""/>
             </a:pPr>
             <a:r>
-              <a:rPr b="0" lang="pt-BR" sz="2000" spc="-1" strike="noStrike">
-                <a:solidFill>
-                  <a:srgbClr val="000000"/>
-                </a:solidFill>
-                <a:latin typeface="Calibri"/>
+              <a:rPr b="0" lang="pt-BR" sz="2400" spc="-1" strike="noStrike">
+                <a:latin typeface="Arial"/>
               </a:rPr>
               <a:t>3.º nível da estrutura de tópicos</a:t>
             </a:r>
-            <a:endParaRPr b="0" lang="pt-BR" sz="2000" spc="-1" strike="noStrike">
-              <a:solidFill>
-                <a:srgbClr val="000000"/>
-              </a:solidFill>
-              <a:latin typeface="Calibri"/>
+            <a:endParaRPr b="0" lang="pt-BR" sz="2400" spc="-1" strike="noStrike">
+              <a:latin typeface="Arial"/>
             </a:endParaRPr>
           </a:p>
           <a:p>
@@ -2451,18 +2484,12 @@
             </a:pPr>
             <a:r>
               <a:rPr b="0" lang="pt-BR" sz="2000" spc="-1" strike="noStrike">
-                <a:solidFill>
-                  <a:srgbClr val="000000"/>
-                </a:solidFill>
-                <a:latin typeface="Calibri"/>
+                <a:latin typeface="Arial"/>
               </a:rPr>
               <a:t>4.º nível da estrutura de tópicos</a:t>
             </a:r>
             <a:endParaRPr b="0" lang="pt-BR" sz="2000" spc="-1" strike="noStrike">
-              <a:solidFill>
-                <a:srgbClr val="000000"/>
-              </a:solidFill>
-              <a:latin typeface="Calibri"/>
+              <a:latin typeface="Arial"/>
             </a:endParaRPr>
           </a:p>
           <a:p>
@@ -2479,18 +2506,12 @@
             </a:pPr>
             <a:r>
               <a:rPr b="0" lang="pt-BR" sz="2000" spc="-1" strike="noStrike">
-                <a:solidFill>
-                  <a:srgbClr val="000000"/>
-                </a:solidFill>
-                <a:latin typeface="Calibri"/>
+                <a:latin typeface="Arial"/>
               </a:rPr>
               <a:t>5.º nível da estrutura de tópicos</a:t>
             </a:r>
             <a:endParaRPr b="0" lang="pt-BR" sz="2000" spc="-1" strike="noStrike">
-              <a:solidFill>
-                <a:srgbClr val="000000"/>
-              </a:solidFill>
-              <a:latin typeface="Calibri"/>
+              <a:latin typeface="Arial"/>
             </a:endParaRPr>
           </a:p>
           <a:p>
@@ -2507,18 +2528,12 @@
             </a:pPr>
             <a:r>
               <a:rPr b="0" lang="pt-BR" sz="2000" spc="-1" strike="noStrike">
-                <a:solidFill>
-                  <a:srgbClr val="000000"/>
-                </a:solidFill>
-                <a:latin typeface="Calibri"/>
+                <a:latin typeface="Arial"/>
               </a:rPr>
               <a:t>6.º nível da estrutura de tópicos</a:t>
             </a:r>
             <a:endParaRPr b="0" lang="pt-BR" sz="2000" spc="-1" strike="noStrike">
-              <a:solidFill>
-                <a:srgbClr val="000000"/>
-              </a:solidFill>
-              <a:latin typeface="Calibri"/>
+              <a:latin typeface="Arial"/>
             </a:endParaRPr>
           </a:p>
           <a:p>
@@ -2535,18 +2550,12 @@
             </a:pPr>
             <a:r>
               <a:rPr b="0" lang="pt-BR" sz="2000" spc="-1" strike="noStrike">
-                <a:solidFill>
-                  <a:srgbClr val="000000"/>
-                </a:solidFill>
-                <a:latin typeface="Calibri"/>
+                <a:latin typeface="Arial"/>
               </a:rPr>
               <a:t>7.º nível da estrutura de tópicos</a:t>
             </a:r>
             <a:endParaRPr b="0" lang="pt-BR" sz="2000" spc="-1" strike="noStrike">
-              <a:solidFill>
-                <a:srgbClr val="000000"/>
-              </a:solidFill>
-              <a:latin typeface="Calibri"/>
+              <a:latin typeface="Arial"/>
             </a:endParaRPr>
           </a:p>
         </p:txBody>
@@ -2590,14 +2599,14 @@
       </p:grpSpPr>
       <p:sp>
         <p:nvSpPr>
-          <p:cNvPr id="47" name="TextShape 1"/>
-          <p:cNvSpPr txBox="1"/>
+          <p:cNvPr id="44" name="TextShape 1"/>
+          <p:cNvSpPr/>
           <p:nvPr/>
         </p:nvSpPr>
         <p:spPr>
           <a:xfrm>
             <a:off x="0" y="0"/>
-            <a:ext cx="9143640" cy="6857640"/>
+            <a:ext cx="9143280" cy="6857280"/>
           </a:xfrm>
           <a:prstGeom prst="rect">
             <a:avLst/>
@@ -2605,19 +2614,26 @@
           <a:solidFill>
             <a:srgbClr val="000000"/>
           </a:solidFill>
-          <a:ln>
-            <a:noFill/>
-          </a:ln>
-        </p:spPr>
-        <p:txBody>
-          <a:bodyPr anchor="ctr">
-            <a:normAutofit fontScale="77000"/>
+          <a:ln w="0">
+            <a:noFill/>
+          </a:ln>
+        </p:spPr>
+        <p:style>
+          <a:lnRef idx="0"/>
+          <a:fillRef idx="0"/>
+          <a:effectRef idx="0"/>
+          <a:fontRef idx="minor"/>
+        </p:style>
+        <p:txBody>
+          <a:bodyPr lIns="90000" rIns="90000" tIns="45000" bIns="45000" anchor="ctr">
+            <a:normAutofit fontScale="97000"/>
           </a:bodyPr>
           <a:p>
             <a:pPr>
               <a:lnSpc>
                 <a:spcPct val="100000"/>
               </a:lnSpc>
+              <a:buNone/>
             </a:pPr>
             <a:r>
               <a:rPr b="0" lang="pt-BR" sz="5400" spc="-1" strike="noStrike">
@@ -2628,7 +2644,9 @@
               </a:rPr>
               <a:t>Vamos acolher a palavra </a:t>
             </a:r>
-            <a:br/>
+            <a:br>
+              <a:rPr sz="1800"/>
+            </a:br>
             <a:r>
               <a:rPr b="0" lang="pt-BR" sz="5400" spc="-1" strike="noStrike">
                 <a:solidFill>
@@ -2638,7 +2656,9 @@
               </a:rPr>
               <a:t>tirada do livro do amor</a:t>
             </a:r>
-            <a:br/>
+            <a:br>
+              <a:rPr sz="1800"/>
+            </a:br>
             <a:r>
               <a:rPr b="0" lang="pt-BR" sz="5400" spc="-1" strike="noStrike">
                 <a:solidFill>
@@ -2648,7 +2668,9 @@
               </a:rPr>
               <a:t>e semente que é semeada</a:t>
             </a:r>
-            <a:br/>
+            <a:br>
+              <a:rPr sz="1800"/>
+            </a:br>
             <a:r>
               <a:rPr b="0" lang="pt-BR" sz="5400" spc="-1" strike="noStrike">
                 <a:solidFill>
@@ -2658,8 +2680,12 @@
               </a:rPr>
               <a:t>nas terras de quem tem amor</a:t>
             </a:r>
-            <a:br/>
-            <a:br/>
+            <a:br>
+              <a:rPr sz="1800"/>
+            </a:br>
+            <a:br>
+              <a:rPr sz="1800"/>
+            </a:br>
             <a:r>
               <a:rPr b="0" lang="pt-BR" sz="5400" spc="-1" strike="noStrike">
                 <a:solidFill>
@@ -2669,7 +2695,9 @@
               </a:rPr>
               <a:t>TU DAS O SOL E A CHUVA</a:t>
             </a:r>
-            <a:br/>
+            <a:br>
+              <a:rPr sz="1800"/>
+            </a:br>
             <a:r>
               <a:rPr b="0" lang="pt-BR" sz="5400" spc="-1" strike="noStrike">
                 <a:solidFill>
@@ -2689,10 +2717,7 @@
               <a:t>  </a:t>
             </a:r>
             <a:endParaRPr b="0" lang="pt-BR" sz="3200" spc="-1" strike="noStrike">
-              <a:solidFill>
-                <a:srgbClr val="000000"/>
-              </a:solidFill>
-              <a:latin typeface="Calibri"/>
+              <a:latin typeface="Arial"/>
             </a:endParaRPr>
           </a:p>
         </p:txBody>
